--- a/EL_Electrical/Cellule chrono/Docs/Images.pptx
+++ b/EL_Electrical/Cellule chrono/Docs/Images.pptx
@@ -7,6 +7,7 @@
   <p:sldIdLst>
     <p:sldId id="256" r:id="rId2"/>
     <p:sldId id="257" r:id="rId3"/>
+    <p:sldId id="258" r:id="rId4"/>
   </p:sldIdLst>
   <p:sldSz cx="12192000" cy="6858000"/>
   <p:notesSz cx="6858000" cy="9144000"/>
@@ -105,6 +106,11 @@
       </a:defRPr>
     </a:lvl9pPr>
   </p:defaultTextStyle>
+  <p:extLst>
+    <p:ext uri="{EFAFB233-063F-42B5-8137-9DF3F51BA10A}">
+      <p15:sldGuideLst xmlns:p15="http://schemas.microsoft.com/office/powerpoint/2012/main"/>
+    </p:ext>
+  </p:extLst>
 </p:presentation>
 </file>
 
@@ -257,7 +263,7 @@
           <a:p>
             <a:fld id="{51147080-D9FD-46F9-934B-254B36086298}" type="datetimeFigureOut">
               <a:rPr lang="en-US" smtClean="0"/>
-              <a:t>2/25/2020</a:t>
+              <a:t>4/7/2020</a:t>
             </a:fld>
             <a:endParaRPr lang="en-US"/>
           </a:p>
@@ -457,7 +463,7 @@
           <a:p>
             <a:fld id="{51147080-D9FD-46F9-934B-254B36086298}" type="datetimeFigureOut">
               <a:rPr lang="en-US" smtClean="0"/>
-              <a:t>2/25/2020</a:t>
+              <a:t>4/7/2020</a:t>
             </a:fld>
             <a:endParaRPr lang="en-US"/>
           </a:p>
@@ -667,7 +673,7 @@
           <a:p>
             <a:fld id="{51147080-D9FD-46F9-934B-254B36086298}" type="datetimeFigureOut">
               <a:rPr lang="en-US" smtClean="0"/>
-              <a:t>2/25/2020</a:t>
+              <a:t>4/7/2020</a:t>
             </a:fld>
             <a:endParaRPr lang="en-US"/>
           </a:p>
@@ -867,7 +873,7 @@
           <a:p>
             <a:fld id="{51147080-D9FD-46F9-934B-254B36086298}" type="datetimeFigureOut">
               <a:rPr lang="en-US" smtClean="0"/>
-              <a:t>2/25/2020</a:t>
+              <a:t>4/7/2020</a:t>
             </a:fld>
             <a:endParaRPr lang="en-US"/>
           </a:p>
@@ -1143,7 +1149,7 @@
           <a:p>
             <a:fld id="{51147080-D9FD-46F9-934B-254B36086298}" type="datetimeFigureOut">
               <a:rPr lang="en-US" smtClean="0"/>
-              <a:t>2/25/2020</a:t>
+              <a:t>4/7/2020</a:t>
             </a:fld>
             <a:endParaRPr lang="en-US"/>
           </a:p>
@@ -1411,7 +1417,7 @@
           <a:p>
             <a:fld id="{51147080-D9FD-46F9-934B-254B36086298}" type="datetimeFigureOut">
               <a:rPr lang="en-US" smtClean="0"/>
-              <a:t>2/25/2020</a:t>
+              <a:t>4/7/2020</a:t>
             </a:fld>
             <a:endParaRPr lang="en-US"/>
           </a:p>
@@ -1826,7 +1832,7 @@
           <a:p>
             <a:fld id="{51147080-D9FD-46F9-934B-254B36086298}" type="datetimeFigureOut">
               <a:rPr lang="en-US" smtClean="0"/>
-              <a:t>2/25/2020</a:t>
+              <a:t>4/7/2020</a:t>
             </a:fld>
             <a:endParaRPr lang="en-US"/>
           </a:p>
@@ -1968,7 +1974,7 @@
           <a:p>
             <a:fld id="{51147080-D9FD-46F9-934B-254B36086298}" type="datetimeFigureOut">
               <a:rPr lang="en-US" smtClean="0"/>
-              <a:t>2/25/2020</a:t>
+              <a:t>4/7/2020</a:t>
             </a:fld>
             <a:endParaRPr lang="en-US"/>
           </a:p>
@@ -2081,7 +2087,7 @@
           <a:p>
             <a:fld id="{51147080-D9FD-46F9-934B-254B36086298}" type="datetimeFigureOut">
               <a:rPr lang="en-US" smtClean="0"/>
-              <a:t>2/25/2020</a:t>
+              <a:t>4/7/2020</a:t>
             </a:fld>
             <a:endParaRPr lang="en-US"/>
           </a:p>
@@ -2394,7 +2400,7 @@
           <a:p>
             <a:fld id="{51147080-D9FD-46F9-934B-254B36086298}" type="datetimeFigureOut">
               <a:rPr lang="en-US" smtClean="0"/>
-              <a:t>2/25/2020</a:t>
+              <a:t>4/7/2020</a:t>
             </a:fld>
             <a:endParaRPr lang="en-US"/>
           </a:p>
@@ -2683,7 +2689,7 @@
           <a:p>
             <a:fld id="{51147080-D9FD-46F9-934B-254B36086298}" type="datetimeFigureOut">
               <a:rPr lang="en-US" smtClean="0"/>
-              <a:t>2/25/2020</a:t>
+              <a:t>4/7/2020</a:t>
             </a:fld>
             <a:endParaRPr lang="en-US"/>
           </a:p>
@@ -2926,7 +2932,7 @@
           <a:p>
             <a:fld id="{51147080-D9FD-46F9-934B-254B36086298}" type="datetimeFigureOut">
               <a:rPr lang="en-US" smtClean="0"/>
-              <a:t>2/25/2020</a:t>
+              <a:t>4/7/2020</a:t>
             </a:fld>
             <a:endParaRPr lang="en-US"/>
           </a:p>
@@ -4147,10 +4153,10 @@
       </p:grpSpPr>
       <p:grpSp>
         <p:nvGrpSpPr>
-          <p:cNvPr id="59" name="Groupe 58">
+          <p:cNvPr id="15" name="Groupe 14">
             <a:extLst>
               <a:ext uri="{FF2B5EF4-FFF2-40B4-BE49-F238E27FC236}">
-                <a16:creationId xmlns:a16="http://schemas.microsoft.com/office/drawing/2014/main" id="{06FA1638-0E18-4669-A5A5-A70C94F665FD}"/>
+                <a16:creationId xmlns:a16="http://schemas.microsoft.com/office/drawing/2014/main" id="{B8844E5B-FDD3-4BF8-B0B3-4BF8A7A02BB1}"/>
               </a:ext>
             </a:extLst>
           </p:cNvPr>
@@ -4160,9 +4166,9 @@
         <p:grpSpPr>
           <a:xfrm>
             <a:off x="828678" y="131533"/>
-            <a:ext cx="8315323" cy="6220004"/>
+            <a:ext cx="10350727" cy="6220004"/>
             <a:chOff x="828678" y="131533"/>
-            <a:chExt cx="8315323" cy="6220004"/>
+            <a:chExt cx="10350727" cy="6220004"/>
           </a:xfrm>
         </p:grpSpPr>
         <p:sp>
@@ -4231,65 +4237,6 @@
               <a:r>
                 <a:rPr lang="fr-FR" sz="1400" dirty="0"/>
                 <a:t>Signal</a:t>
-              </a:r>
-            </a:p>
-          </p:txBody>
-        </p:sp>
-        <p:sp>
-          <p:nvSpPr>
-            <p:cNvPr id="27" name="ZoneTexte 26">
-              <a:extLst>
-                <a:ext uri="{FF2B5EF4-FFF2-40B4-BE49-F238E27FC236}">
-                  <a16:creationId xmlns:a16="http://schemas.microsoft.com/office/drawing/2014/main" id="{81E5E423-9E94-4D52-8C18-85310464B788}"/>
-                </a:ext>
-              </a:extLst>
-            </p:cNvPr>
-            <p:cNvSpPr txBox="1"/>
-            <p:nvPr/>
-          </p:nvSpPr>
-          <p:spPr>
-            <a:xfrm>
-              <a:off x="7624770" y="2951499"/>
-              <a:ext cx="962024" cy="800219"/>
-            </a:xfrm>
-            <a:prstGeom prst="rect">
-              <a:avLst/>
-            </a:prstGeom>
-            <a:noFill/>
-            <a:ln w="19050">
-              <a:solidFill>
-                <a:srgbClr val="FF0000"/>
-              </a:solidFill>
-            </a:ln>
-          </p:spPr>
-          <p:txBody>
-            <a:bodyPr wrap="square" rtlCol="0">
-              <a:spAutoFit/>
-            </a:bodyPr>
-            <a:lstStyle/>
-            <a:p>
-              <a:pPr algn="ctr"/>
-              <a:r>
-                <a:rPr lang="en-US" dirty="0">
-                  <a:highlight>
-                    <a:srgbClr val="FF0000"/>
-                  </a:highlight>
-                </a:rPr>
-                <a:t>Boutons</a:t>
-              </a:r>
-            </a:p>
-            <a:p>
-              <a:pPr algn="ctr"/>
-              <a:r>
-                <a:rPr lang="en-US" sz="1400" dirty="0"/>
-                <a:t>Rotary</a:t>
-              </a:r>
-            </a:p>
-            <a:p>
-              <a:pPr algn="ctr"/>
-              <a:r>
-                <a:rPr lang="en-US" sz="1400" dirty="0"/>
-                <a:t>Start</a:t>
               </a:r>
             </a:p>
           </p:txBody>
@@ -5054,11 +5001,14 @@
             </a:p>
             <a:p>
               <a:pPr algn="ctr"/>
-              <a:endParaRPr lang="en-US" dirty="0">
-                <a:highlight>
-                  <a:srgbClr val="C0C0C0"/>
-                </a:highlight>
-              </a:endParaRPr>
+              <a:r>
+                <a:rPr lang="en-US" dirty="0">
+                  <a:highlight>
+                    <a:srgbClr val="C0C0C0"/>
+                  </a:highlight>
+                </a:rPr>
+                <a:t>                       </a:t>
+              </a:r>
             </a:p>
             <a:p>
               <a:pPr algn="ctr"/>
@@ -5759,11 +5709,1369 @@
             </a:p>
           </p:txBody>
         </p:sp>
+        <p:sp>
+          <p:nvSpPr>
+            <p:cNvPr id="33" name="ZoneTexte 32">
+              <a:extLst>
+                <a:ext uri="{FF2B5EF4-FFF2-40B4-BE49-F238E27FC236}">
+                  <a16:creationId xmlns:a16="http://schemas.microsoft.com/office/drawing/2014/main" id="{4E0B7B39-D1A5-4B31-8EF7-9456AEF2F678}"/>
+                </a:ext>
+              </a:extLst>
+            </p:cNvPr>
+            <p:cNvSpPr txBox="1"/>
+            <p:nvPr/>
+          </p:nvSpPr>
+          <p:spPr>
+            <a:xfrm>
+              <a:off x="7648108" y="2952064"/>
+              <a:ext cx="1022649" cy="800219"/>
+            </a:xfrm>
+            <a:prstGeom prst="rect">
+              <a:avLst/>
+            </a:prstGeom>
+            <a:noFill/>
+            <a:ln w="19050">
+              <a:solidFill>
+                <a:srgbClr val="FF0000"/>
+              </a:solidFill>
+            </a:ln>
+          </p:spPr>
+          <p:txBody>
+            <a:bodyPr wrap="square" rtlCol="0">
+              <a:spAutoFit/>
+            </a:bodyPr>
+            <a:lstStyle/>
+            <a:p>
+              <a:pPr algn="ctr"/>
+              <a:r>
+                <a:rPr lang="en-US" dirty="0" err="1">
+                  <a:highlight>
+                    <a:srgbClr val="FF0000"/>
+                  </a:highlight>
+                </a:rPr>
+                <a:t>Capteurs</a:t>
+              </a:r>
+              <a:endParaRPr lang="en-US" dirty="0">
+                <a:highlight>
+                  <a:srgbClr val="FF0000"/>
+                </a:highlight>
+              </a:endParaRPr>
+            </a:p>
+            <a:p>
+              <a:pPr algn="ctr"/>
+              <a:r>
+                <a:rPr lang="en-US" sz="1400" dirty="0" err="1"/>
+                <a:t>Emetteur</a:t>
+              </a:r>
+              <a:endParaRPr lang="en-US" sz="1400" dirty="0"/>
+            </a:p>
+            <a:p>
+              <a:pPr algn="ctr"/>
+              <a:r>
+                <a:rPr lang="en-US" sz="1400" dirty="0" err="1"/>
+                <a:t>Récepteur</a:t>
+              </a:r>
+              <a:endParaRPr lang="en-US" sz="1400" dirty="0"/>
+            </a:p>
+          </p:txBody>
+        </p:sp>
+        <p:sp>
+          <p:nvSpPr>
+            <p:cNvPr id="35" name="ZoneTexte 34">
+              <a:extLst>
+                <a:ext uri="{FF2B5EF4-FFF2-40B4-BE49-F238E27FC236}">
+                  <a16:creationId xmlns:a16="http://schemas.microsoft.com/office/drawing/2014/main" id="{8E62447E-B372-49CA-9691-607E282C7CF7}"/>
+                </a:ext>
+              </a:extLst>
+            </p:cNvPr>
+            <p:cNvSpPr txBox="1"/>
+            <p:nvPr/>
+          </p:nvSpPr>
+          <p:spPr>
+            <a:xfrm>
+              <a:off x="9891707" y="2395148"/>
+              <a:ext cx="1287698" cy="1661993"/>
+            </a:xfrm>
+            <a:prstGeom prst="rect">
+              <a:avLst/>
+            </a:prstGeom>
+            <a:noFill/>
+            <a:ln w="19050">
+              <a:solidFill>
+                <a:srgbClr val="C0C0C0"/>
+              </a:solidFill>
+            </a:ln>
+          </p:spPr>
+          <p:txBody>
+            <a:bodyPr wrap="square" rtlCol="0">
+              <a:spAutoFit/>
+            </a:bodyPr>
+            <a:lstStyle/>
+            <a:p>
+              <a:pPr algn="ctr"/>
+              <a:r>
+                <a:rPr lang="fr-FR" dirty="0">
+                  <a:highlight>
+                    <a:srgbClr val="C0C0C0"/>
+                  </a:highlight>
+                </a:rPr>
+                <a:t>Piste</a:t>
+              </a:r>
+            </a:p>
+            <a:p>
+              <a:pPr algn="ctr"/>
+              <a:endParaRPr lang="en-US" sz="1400" dirty="0">
+                <a:highlight>
+                  <a:srgbClr val="C0C0C0"/>
+                </a:highlight>
+              </a:endParaRPr>
+            </a:p>
+            <a:p>
+              <a:pPr algn="ctr"/>
+              <a:r>
+                <a:rPr lang="en-US" sz="1400" dirty="0" err="1"/>
+                <a:t>Bandes</a:t>
+              </a:r>
+              <a:r>
+                <a:rPr lang="en-US" sz="1400" dirty="0"/>
+                <a:t> </a:t>
+              </a:r>
+              <a:r>
+                <a:rPr lang="fr-FR" sz="1400" dirty="0"/>
+                <a:t>réfléchissantes</a:t>
+              </a:r>
+              <a:r>
+                <a:rPr lang="en-US" sz="1400" dirty="0"/>
+                <a:t> 1 et 2</a:t>
+              </a:r>
+            </a:p>
+            <a:p>
+              <a:pPr algn="ctr"/>
+              <a:r>
+                <a:rPr lang="en-US" sz="700" dirty="0">
+                  <a:highlight>
+                    <a:srgbClr val="C0C0C0"/>
+                  </a:highlight>
+                </a:rPr>
+                <a:t>    </a:t>
+              </a:r>
+              <a:r>
+                <a:rPr lang="en-US" sz="1400" dirty="0">
+                  <a:highlight>
+                    <a:srgbClr val="C0C0C0"/>
+                  </a:highlight>
+                </a:rPr>
+                <a:t>                   </a:t>
+              </a:r>
+            </a:p>
+            <a:p>
+              <a:pPr algn="ctr"/>
+              <a:endParaRPr lang="en-US" sz="1400" dirty="0">
+                <a:highlight>
+                  <a:srgbClr val="C0C0C0"/>
+                </a:highlight>
+              </a:endParaRPr>
+            </a:p>
+          </p:txBody>
+        </p:sp>
+        <p:cxnSp>
+          <p:nvCxnSpPr>
+            <p:cNvPr id="36" name="Connecteur droit 35">
+              <a:extLst>
+                <a:ext uri="{FF2B5EF4-FFF2-40B4-BE49-F238E27FC236}">
+                  <a16:creationId xmlns:a16="http://schemas.microsoft.com/office/drawing/2014/main" id="{468F699C-12AC-483E-AD3B-020310B7246F}"/>
+                </a:ext>
+              </a:extLst>
+            </p:cNvPr>
+            <p:cNvCxnSpPr>
+              <a:cxnSpLocks/>
+            </p:cNvCxnSpPr>
+            <p:nvPr/>
+          </p:nvCxnSpPr>
+          <p:spPr>
+            <a:xfrm flipH="1">
+              <a:off x="8670758" y="3412271"/>
+              <a:ext cx="1220949" cy="16321"/>
+            </a:xfrm>
+            <a:prstGeom prst="line">
+              <a:avLst/>
+            </a:prstGeom>
+            <a:ln w="19050">
+              <a:solidFill>
+                <a:srgbClr val="00B050"/>
+              </a:solidFill>
+              <a:prstDash val="lgDashDot"/>
+              <a:headEnd type="triangle"/>
+              <a:tailEnd type="none"/>
+            </a:ln>
+          </p:spPr>
+          <p:style>
+            <a:lnRef idx="1">
+              <a:schemeClr val="accent1"/>
+            </a:lnRef>
+            <a:fillRef idx="0">
+              <a:schemeClr val="accent1"/>
+            </a:fillRef>
+            <a:effectRef idx="0">
+              <a:schemeClr val="accent1"/>
+            </a:effectRef>
+            <a:fontRef idx="minor">
+              <a:schemeClr val="tx1"/>
+            </a:fontRef>
+          </p:style>
+        </p:cxnSp>
+        <p:cxnSp>
+          <p:nvCxnSpPr>
+            <p:cNvPr id="37" name="Connecteur droit 36">
+              <a:extLst>
+                <a:ext uri="{FF2B5EF4-FFF2-40B4-BE49-F238E27FC236}">
+                  <a16:creationId xmlns:a16="http://schemas.microsoft.com/office/drawing/2014/main" id="{4709679E-F040-4FCD-948A-A1F6B831368F}"/>
+                </a:ext>
+              </a:extLst>
+            </p:cNvPr>
+            <p:cNvCxnSpPr>
+              <a:cxnSpLocks/>
+            </p:cNvCxnSpPr>
+            <p:nvPr/>
+          </p:nvCxnSpPr>
+          <p:spPr>
+            <a:xfrm flipH="1">
+              <a:off x="8675511" y="3566158"/>
+              <a:ext cx="1216196" cy="32238"/>
+            </a:xfrm>
+            <a:prstGeom prst="line">
+              <a:avLst/>
+            </a:prstGeom>
+            <a:ln w="19050">
+              <a:solidFill>
+                <a:srgbClr val="00B050"/>
+              </a:solidFill>
+              <a:prstDash val="lgDashDot"/>
+              <a:headEnd type="none"/>
+              <a:tailEnd type="triangle"/>
+            </a:ln>
+          </p:spPr>
+          <p:style>
+            <a:lnRef idx="1">
+              <a:schemeClr val="accent1"/>
+            </a:lnRef>
+            <a:fillRef idx="0">
+              <a:schemeClr val="accent1"/>
+            </a:fillRef>
+            <a:effectRef idx="0">
+              <a:schemeClr val="accent1"/>
+            </a:effectRef>
+            <a:fontRef idx="minor">
+              <a:schemeClr val="tx1"/>
+            </a:fontRef>
+          </p:style>
+        </p:cxnSp>
       </p:grpSp>
     </p:spTree>
     <p:extLst>
       <p:ext uri="{BB962C8B-B14F-4D97-AF65-F5344CB8AC3E}">
         <p14:creationId xmlns:p14="http://schemas.microsoft.com/office/powerpoint/2010/main" val="2403106794"/>
+      </p:ext>
+    </p:extLst>
+  </p:cSld>
+  <p:clrMapOvr>
+    <a:masterClrMapping/>
+  </p:clrMapOvr>
+</p:sld>
+</file>
+
+<file path=ppt/slides/slide3.xml><?xml version="1.0" encoding="utf-8"?>
+<p:sld xmlns:a="http://schemas.openxmlformats.org/drawingml/2006/main" xmlns:r="http://schemas.openxmlformats.org/officeDocument/2006/relationships" xmlns:p="http://schemas.openxmlformats.org/presentationml/2006/main">
+  <p:cSld>
+    <p:spTree>
+      <p:nvGrpSpPr>
+        <p:cNvPr id="1" name=""/>
+        <p:cNvGrpSpPr/>
+        <p:nvPr/>
+      </p:nvGrpSpPr>
+      <p:grpSpPr>
+        <a:xfrm>
+          <a:off x="0" y="0"/>
+          <a:ext cx="0" cy="0"/>
+          <a:chOff x="0" y="0"/>
+          <a:chExt cx="0" cy="0"/>
+        </a:xfrm>
+      </p:grpSpPr>
+      <p:grpSp>
+        <p:nvGrpSpPr>
+          <p:cNvPr id="4" name="Groupe 3">
+            <a:extLst>
+              <a:ext uri="{FF2B5EF4-FFF2-40B4-BE49-F238E27FC236}">
+                <a16:creationId xmlns:a16="http://schemas.microsoft.com/office/drawing/2014/main" id="{4DA25A0A-E57B-4C3F-AB00-32B47FDE6A6C}"/>
+              </a:ext>
+            </a:extLst>
+          </p:cNvPr>
+          <p:cNvGrpSpPr/>
+          <p:nvPr/>
+        </p:nvGrpSpPr>
+        <p:grpSpPr>
+          <a:xfrm>
+            <a:off x="650789" y="1499527"/>
+            <a:ext cx="9973730" cy="2759435"/>
+            <a:chOff x="650789" y="1499527"/>
+            <a:chExt cx="9973730" cy="2759435"/>
+          </a:xfrm>
+        </p:grpSpPr>
+        <p:cxnSp>
+          <p:nvCxnSpPr>
+            <p:cNvPr id="5" name="Connecteur droit 4">
+              <a:extLst>
+                <a:ext uri="{FF2B5EF4-FFF2-40B4-BE49-F238E27FC236}">
+                  <a16:creationId xmlns:a16="http://schemas.microsoft.com/office/drawing/2014/main" id="{763F4BC5-844E-4477-8371-3795A7DA9ADD}"/>
+                </a:ext>
+              </a:extLst>
+            </p:cNvPr>
+            <p:cNvCxnSpPr/>
+            <p:nvPr/>
+          </p:nvCxnSpPr>
+          <p:spPr>
+            <a:xfrm>
+              <a:off x="1624519" y="2811294"/>
+              <a:ext cx="9000000" cy="0"/>
+            </a:xfrm>
+            <a:prstGeom prst="line">
+              <a:avLst/>
+            </a:prstGeom>
+            <a:ln w="38100"/>
+          </p:spPr>
+          <p:style>
+            <a:lnRef idx="1">
+              <a:schemeClr val="dk1"/>
+            </a:lnRef>
+            <a:fillRef idx="0">
+              <a:schemeClr val="dk1"/>
+            </a:fillRef>
+            <a:effectRef idx="0">
+              <a:schemeClr val="dk1"/>
+            </a:effectRef>
+            <a:fontRef idx="minor">
+              <a:schemeClr val="tx1"/>
+            </a:fontRef>
+          </p:style>
+        </p:cxnSp>
+        <p:cxnSp>
+          <p:nvCxnSpPr>
+            <p:cNvPr id="6" name="Connecteur droit 5">
+              <a:extLst>
+                <a:ext uri="{FF2B5EF4-FFF2-40B4-BE49-F238E27FC236}">
+                  <a16:creationId xmlns:a16="http://schemas.microsoft.com/office/drawing/2014/main" id="{60204A2E-DC6F-49AA-AF35-25A2D51DE170}"/>
+                </a:ext>
+              </a:extLst>
+            </p:cNvPr>
+            <p:cNvCxnSpPr/>
+            <p:nvPr/>
+          </p:nvCxnSpPr>
+          <p:spPr>
+            <a:xfrm>
+              <a:off x="2335084" y="2771174"/>
+              <a:ext cx="1080000" cy="0"/>
+            </a:xfrm>
+            <a:prstGeom prst="line">
+              <a:avLst/>
+            </a:prstGeom>
+            <a:ln w="38100"/>
+          </p:spPr>
+          <p:style>
+            <a:lnRef idx="3">
+              <a:schemeClr val="accent3"/>
+            </a:lnRef>
+            <a:fillRef idx="0">
+              <a:schemeClr val="accent3"/>
+            </a:fillRef>
+            <a:effectRef idx="2">
+              <a:schemeClr val="accent3"/>
+            </a:effectRef>
+            <a:fontRef idx="minor">
+              <a:schemeClr val="tx1"/>
+            </a:fontRef>
+          </p:style>
+        </p:cxnSp>
+        <p:cxnSp>
+          <p:nvCxnSpPr>
+            <p:cNvPr id="7" name="Connecteur droit 6">
+              <a:extLst>
+                <a:ext uri="{FF2B5EF4-FFF2-40B4-BE49-F238E27FC236}">
+                  <a16:creationId xmlns:a16="http://schemas.microsoft.com/office/drawing/2014/main" id="{61996D0D-ADDF-49F3-A309-B59586B2A710}"/>
+                </a:ext>
+              </a:extLst>
+            </p:cNvPr>
+            <p:cNvCxnSpPr/>
+            <p:nvPr/>
+          </p:nvCxnSpPr>
+          <p:spPr>
+            <a:xfrm>
+              <a:off x="8484630" y="2770316"/>
+              <a:ext cx="1080000" cy="0"/>
+            </a:xfrm>
+            <a:prstGeom prst="line">
+              <a:avLst/>
+            </a:prstGeom>
+            <a:ln w="38100"/>
+          </p:spPr>
+          <p:style>
+            <a:lnRef idx="3">
+              <a:schemeClr val="accent3"/>
+            </a:lnRef>
+            <a:fillRef idx="0">
+              <a:schemeClr val="accent3"/>
+            </a:fillRef>
+            <a:effectRef idx="2">
+              <a:schemeClr val="accent3"/>
+            </a:effectRef>
+            <a:fontRef idx="minor">
+              <a:schemeClr val="tx1"/>
+            </a:fontRef>
+          </p:style>
+        </p:cxnSp>
+        <p:sp>
+          <p:nvSpPr>
+            <p:cNvPr id="8" name="ZoneTexte 7">
+              <a:extLst>
+                <a:ext uri="{FF2B5EF4-FFF2-40B4-BE49-F238E27FC236}">
+                  <a16:creationId xmlns:a16="http://schemas.microsoft.com/office/drawing/2014/main" id="{0B908820-5269-4FF7-9344-87B65289AA0F}"/>
+                </a:ext>
+              </a:extLst>
+            </p:cNvPr>
+            <p:cNvSpPr txBox="1"/>
+            <p:nvPr/>
+          </p:nvSpPr>
+          <p:spPr>
+            <a:xfrm>
+              <a:off x="2292264" y="2811294"/>
+              <a:ext cx="1165640" cy="461665"/>
+            </a:xfrm>
+            <a:prstGeom prst="rect">
+              <a:avLst/>
+            </a:prstGeom>
+            <a:noFill/>
+          </p:spPr>
+          <p:txBody>
+            <a:bodyPr wrap="none" rtlCol="0">
+              <a:spAutoFit/>
+            </a:bodyPr>
+            <a:lstStyle/>
+            <a:p>
+              <a:r>
+                <a:rPr lang="fr-FR" sz="1200" dirty="0">
+                  <a:solidFill>
+                    <a:schemeClr val="bg1">
+                      <a:lumMod val="50000"/>
+                    </a:schemeClr>
+                  </a:solidFill>
+                </a:rPr>
+                <a:t>Bande </a:t>
+              </a:r>
+            </a:p>
+            <a:p>
+              <a:r>
+                <a:rPr lang="fr-FR" sz="1200" dirty="0">
+                  <a:solidFill>
+                    <a:schemeClr val="bg1">
+                      <a:lumMod val="50000"/>
+                    </a:schemeClr>
+                  </a:solidFill>
+                </a:rPr>
+                <a:t>réfléchissante 1</a:t>
+              </a:r>
+            </a:p>
+          </p:txBody>
+        </p:sp>
+        <p:sp>
+          <p:nvSpPr>
+            <p:cNvPr id="9" name="ZoneTexte 8">
+              <a:extLst>
+                <a:ext uri="{FF2B5EF4-FFF2-40B4-BE49-F238E27FC236}">
+                  <a16:creationId xmlns:a16="http://schemas.microsoft.com/office/drawing/2014/main" id="{9A4217C9-876D-4528-9C4C-964C00ADB6D4}"/>
+                </a:ext>
+              </a:extLst>
+            </p:cNvPr>
+            <p:cNvSpPr txBox="1"/>
+            <p:nvPr/>
+          </p:nvSpPr>
+          <p:spPr>
+            <a:xfrm>
+              <a:off x="8441810" y="2770316"/>
+              <a:ext cx="1165640" cy="461665"/>
+            </a:xfrm>
+            <a:prstGeom prst="rect">
+              <a:avLst/>
+            </a:prstGeom>
+            <a:noFill/>
+          </p:spPr>
+          <p:txBody>
+            <a:bodyPr wrap="none" rtlCol="0">
+              <a:spAutoFit/>
+            </a:bodyPr>
+            <a:lstStyle/>
+            <a:p>
+              <a:r>
+                <a:rPr lang="fr-FR" sz="1200" dirty="0">
+                  <a:solidFill>
+                    <a:schemeClr val="bg1">
+                      <a:lumMod val="50000"/>
+                    </a:schemeClr>
+                  </a:solidFill>
+                </a:rPr>
+                <a:t>Bande </a:t>
+              </a:r>
+            </a:p>
+            <a:p>
+              <a:r>
+                <a:rPr lang="fr-FR" sz="1200" dirty="0">
+                  <a:solidFill>
+                    <a:schemeClr val="bg1">
+                      <a:lumMod val="50000"/>
+                    </a:schemeClr>
+                  </a:solidFill>
+                </a:rPr>
+                <a:t>réfléchissante 2</a:t>
+              </a:r>
+            </a:p>
+          </p:txBody>
+        </p:sp>
+        <p:sp>
+          <p:nvSpPr>
+            <p:cNvPr id="10" name="Rectangle 9">
+              <a:extLst>
+                <a:ext uri="{FF2B5EF4-FFF2-40B4-BE49-F238E27FC236}">
+                  <a16:creationId xmlns:a16="http://schemas.microsoft.com/office/drawing/2014/main" id="{EB775C6D-EF25-4179-B2A4-05290CCA53B7}"/>
+                </a:ext>
+              </a:extLst>
+            </p:cNvPr>
+            <p:cNvSpPr/>
+            <p:nvPr/>
+          </p:nvSpPr>
+          <p:spPr>
+            <a:xfrm>
+              <a:off x="2454875" y="1507523"/>
+              <a:ext cx="851486" cy="576633"/>
+            </a:xfrm>
+            <a:prstGeom prst="rect">
+              <a:avLst/>
+            </a:prstGeom>
+            <a:solidFill>
+              <a:schemeClr val="bg1">
+                <a:lumMod val="85000"/>
+              </a:schemeClr>
+            </a:solidFill>
+            <a:ln>
+              <a:solidFill>
+                <a:schemeClr val="tx1"/>
+              </a:solidFill>
+            </a:ln>
+          </p:spPr>
+          <p:style>
+            <a:lnRef idx="2">
+              <a:schemeClr val="accent1">
+                <a:shade val="50000"/>
+              </a:schemeClr>
+            </a:lnRef>
+            <a:fillRef idx="1">
+              <a:schemeClr val="accent1"/>
+            </a:fillRef>
+            <a:effectRef idx="0">
+              <a:schemeClr val="accent1"/>
+            </a:effectRef>
+            <a:fontRef idx="minor">
+              <a:schemeClr val="lt1"/>
+            </a:fontRef>
+          </p:style>
+          <p:txBody>
+            <a:bodyPr rtlCol="0" anchor="ctr"/>
+            <a:lstStyle/>
+            <a:p>
+              <a:pPr algn="ctr"/>
+              <a:r>
+                <a:rPr lang="fr-FR" sz="1200" dirty="0">
+                  <a:solidFill>
+                    <a:srgbClr val="FF0000"/>
+                  </a:solidFill>
+                </a:rPr>
+                <a:t>Cellule de détection</a:t>
+              </a:r>
+            </a:p>
+            <a:p>
+              <a:pPr algn="ctr"/>
+              <a:r>
+                <a:rPr lang="fr-FR" sz="1200" dirty="0">
+                  <a:solidFill>
+                    <a:srgbClr val="FF0000"/>
+                  </a:solidFill>
+                </a:rPr>
+                <a:t>E            R</a:t>
+              </a:r>
+            </a:p>
+          </p:txBody>
+        </p:sp>
+        <p:cxnSp>
+          <p:nvCxnSpPr>
+            <p:cNvPr id="11" name="Connecteur droit avec flèche 10">
+              <a:extLst>
+                <a:ext uri="{FF2B5EF4-FFF2-40B4-BE49-F238E27FC236}">
+                  <a16:creationId xmlns:a16="http://schemas.microsoft.com/office/drawing/2014/main" id="{CE70A1E4-B203-4F93-B620-7E26F25BA5ED}"/>
+                </a:ext>
+              </a:extLst>
+            </p:cNvPr>
+            <p:cNvCxnSpPr/>
+            <p:nvPr/>
+          </p:nvCxnSpPr>
+          <p:spPr>
+            <a:xfrm>
+              <a:off x="2627870" y="2084156"/>
+              <a:ext cx="247214" cy="686160"/>
+            </a:xfrm>
+            <a:prstGeom prst="straightConnector1">
+              <a:avLst/>
+            </a:prstGeom>
+            <a:ln w="28575">
+              <a:solidFill>
+                <a:srgbClr val="FF0000"/>
+              </a:solidFill>
+              <a:tailEnd type="triangle"/>
+            </a:ln>
+          </p:spPr>
+          <p:style>
+            <a:lnRef idx="1">
+              <a:schemeClr val="accent1"/>
+            </a:lnRef>
+            <a:fillRef idx="0">
+              <a:schemeClr val="accent1"/>
+            </a:fillRef>
+            <a:effectRef idx="0">
+              <a:schemeClr val="accent1"/>
+            </a:effectRef>
+            <a:fontRef idx="minor">
+              <a:schemeClr val="tx1"/>
+            </a:fontRef>
+          </p:style>
+        </p:cxnSp>
+        <p:cxnSp>
+          <p:nvCxnSpPr>
+            <p:cNvPr id="12" name="Connecteur droit avec flèche 11">
+              <a:extLst>
+                <a:ext uri="{FF2B5EF4-FFF2-40B4-BE49-F238E27FC236}">
+                  <a16:creationId xmlns:a16="http://schemas.microsoft.com/office/drawing/2014/main" id="{0FA47933-C04B-4B1E-8EE6-62818C4FD92D}"/>
+                </a:ext>
+              </a:extLst>
+            </p:cNvPr>
+            <p:cNvCxnSpPr>
+              <a:cxnSpLocks/>
+            </p:cNvCxnSpPr>
+            <p:nvPr/>
+          </p:nvCxnSpPr>
+          <p:spPr>
+            <a:xfrm flipV="1">
+              <a:off x="2869076" y="2076160"/>
+              <a:ext cx="298794" cy="681669"/>
+            </a:xfrm>
+            <a:prstGeom prst="straightConnector1">
+              <a:avLst/>
+            </a:prstGeom>
+            <a:ln w="28575">
+              <a:solidFill>
+                <a:srgbClr val="FF0000"/>
+              </a:solidFill>
+              <a:tailEnd type="triangle"/>
+            </a:ln>
+          </p:spPr>
+          <p:style>
+            <a:lnRef idx="1">
+              <a:schemeClr val="accent1"/>
+            </a:lnRef>
+            <a:fillRef idx="0">
+              <a:schemeClr val="accent1"/>
+            </a:fillRef>
+            <a:effectRef idx="0">
+              <a:schemeClr val="accent1"/>
+            </a:effectRef>
+            <a:fontRef idx="minor">
+              <a:schemeClr val="tx1"/>
+            </a:fontRef>
+          </p:style>
+        </p:cxnSp>
+        <p:sp>
+          <p:nvSpPr>
+            <p:cNvPr id="13" name="Rectangle 12">
+              <a:extLst>
+                <a:ext uri="{FF2B5EF4-FFF2-40B4-BE49-F238E27FC236}">
+                  <a16:creationId xmlns:a16="http://schemas.microsoft.com/office/drawing/2014/main" id="{B8980E2A-BF15-4296-BAC1-094B642D6FBB}"/>
+                </a:ext>
+              </a:extLst>
+            </p:cNvPr>
+            <p:cNvSpPr/>
+            <p:nvPr/>
+          </p:nvSpPr>
+          <p:spPr>
+            <a:xfrm>
+              <a:off x="5144529" y="1499527"/>
+              <a:ext cx="851486" cy="576633"/>
+            </a:xfrm>
+            <a:prstGeom prst="rect">
+              <a:avLst/>
+            </a:prstGeom>
+            <a:solidFill>
+              <a:schemeClr val="bg1">
+                <a:lumMod val="85000"/>
+              </a:schemeClr>
+            </a:solidFill>
+            <a:ln>
+              <a:solidFill>
+                <a:schemeClr val="tx1"/>
+              </a:solidFill>
+            </a:ln>
+          </p:spPr>
+          <p:style>
+            <a:lnRef idx="2">
+              <a:schemeClr val="accent1">
+                <a:shade val="50000"/>
+              </a:schemeClr>
+            </a:lnRef>
+            <a:fillRef idx="1">
+              <a:schemeClr val="accent1"/>
+            </a:fillRef>
+            <a:effectRef idx="0">
+              <a:schemeClr val="accent1"/>
+            </a:effectRef>
+            <a:fontRef idx="minor">
+              <a:schemeClr val="lt1"/>
+            </a:fontRef>
+          </p:style>
+          <p:txBody>
+            <a:bodyPr rtlCol="0" anchor="ctr"/>
+            <a:lstStyle/>
+            <a:p>
+              <a:pPr algn="ctr"/>
+              <a:r>
+                <a:rPr lang="fr-FR" sz="1200" dirty="0">
+                  <a:solidFill>
+                    <a:srgbClr val="FF0000"/>
+                  </a:solidFill>
+                </a:rPr>
+                <a:t>Cellule de détection</a:t>
+              </a:r>
+            </a:p>
+            <a:p>
+              <a:pPr algn="ctr"/>
+              <a:r>
+                <a:rPr lang="fr-FR" sz="1200" dirty="0">
+                  <a:solidFill>
+                    <a:srgbClr val="FF0000"/>
+                  </a:solidFill>
+                </a:rPr>
+                <a:t>E            R</a:t>
+              </a:r>
+            </a:p>
+          </p:txBody>
+        </p:sp>
+        <p:cxnSp>
+          <p:nvCxnSpPr>
+            <p:cNvPr id="14" name="Connecteur droit avec flèche 13">
+              <a:extLst>
+                <a:ext uri="{FF2B5EF4-FFF2-40B4-BE49-F238E27FC236}">
+                  <a16:creationId xmlns:a16="http://schemas.microsoft.com/office/drawing/2014/main" id="{880AF94C-9B98-4C5E-9DE6-E13C3254848A}"/>
+                </a:ext>
+              </a:extLst>
+            </p:cNvPr>
+            <p:cNvCxnSpPr/>
+            <p:nvPr/>
+          </p:nvCxnSpPr>
+          <p:spPr>
+            <a:xfrm>
+              <a:off x="5317524" y="2076160"/>
+              <a:ext cx="247214" cy="686160"/>
+            </a:xfrm>
+            <a:prstGeom prst="straightConnector1">
+              <a:avLst/>
+            </a:prstGeom>
+            <a:ln w="28575">
+              <a:solidFill>
+                <a:srgbClr val="FF0000"/>
+              </a:solidFill>
+              <a:tailEnd type="triangle"/>
+            </a:ln>
+          </p:spPr>
+          <p:style>
+            <a:lnRef idx="1">
+              <a:schemeClr val="accent1"/>
+            </a:lnRef>
+            <a:fillRef idx="0">
+              <a:schemeClr val="accent1"/>
+            </a:fillRef>
+            <a:effectRef idx="0">
+              <a:schemeClr val="accent1"/>
+            </a:effectRef>
+            <a:fontRef idx="minor">
+              <a:schemeClr val="tx1"/>
+            </a:fontRef>
+          </p:style>
+        </p:cxnSp>
+        <p:cxnSp>
+          <p:nvCxnSpPr>
+            <p:cNvPr id="15" name="Connecteur droit avec flèche 14">
+              <a:extLst>
+                <a:ext uri="{FF2B5EF4-FFF2-40B4-BE49-F238E27FC236}">
+                  <a16:creationId xmlns:a16="http://schemas.microsoft.com/office/drawing/2014/main" id="{C96F10D4-2857-48E1-A09F-26F7E9AF5096}"/>
+                </a:ext>
+              </a:extLst>
+            </p:cNvPr>
+            <p:cNvCxnSpPr>
+              <a:cxnSpLocks/>
+            </p:cNvCxnSpPr>
+            <p:nvPr/>
+          </p:nvCxnSpPr>
+          <p:spPr>
+            <a:xfrm flipV="1">
+              <a:off x="1624519" y="3429001"/>
+              <a:ext cx="0" cy="821723"/>
+            </a:xfrm>
+            <a:prstGeom prst="straightConnector1">
+              <a:avLst/>
+            </a:prstGeom>
+            <a:ln w="12700">
+              <a:tailEnd type="triangle"/>
+            </a:ln>
+          </p:spPr>
+          <p:style>
+            <a:lnRef idx="1">
+              <a:schemeClr val="accent1"/>
+            </a:lnRef>
+            <a:fillRef idx="0">
+              <a:schemeClr val="accent1"/>
+            </a:fillRef>
+            <a:effectRef idx="0">
+              <a:schemeClr val="accent1"/>
+            </a:effectRef>
+            <a:fontRef idx="minor">
+              <a:schemeClr val="tx1"/>
+            </a:fontRef>
+          </p:style>
+        </p:cxnSp>
+        <p:cxnSp>
+          <p:nvCxnSpPr>
+            <p:cNvPr id="16" name="Connecteur droit avec flèche 15">
+              <a:extLst>
+                <a:ext uri="{FF2B5EF4-FFF2-40B4-BE49-F238E27FC236}">
+                  <a16:creationId xmlns:a16="http://schemas.microsoft.com/office/drawing/2014/main" id="{3D271E70-430B-4C86-BC35-93F4E52918C2}"/>
+                </a:ext>
+              </a:extLst>
+            </p:cNvPr>
+            <p:cNvCxnSpPr>
+              <a:cxnSpLocks/>
+            </p:cNvCxnSpPr>
+            <p:nvPr/>
+          </p:nvCxnSpPr>
+          <p:spPr>
+            <a:xfrm flipV="1">
+              <a:off x="1624519" y="4250724"/>
+              <a:ext cx="8942962" cy="2"/>
+            </a:xfrm>
+            <a:prstGeom prst="straightConnector1">
+              <a:avLst/>
+            </a:prstGeom>
+            <a:ln w="12700">
+              <a:tailEnd type="triangle"/>
+            </a:ln>
+          </p:spPr>
+          <p:style>
+            <a:lnRef idx="1">
+              <a:schemeClr val="accent1"/>
+            </a:lnRef>
+            <a:fillRef idx="0">
+              <a:schemeClr val="accent1"/>
+            </a:fillRef>
+            <a:effectRef idx="0">
+              <a:schemeClr val="accent1"/>
+            </a:effectRef>
+            <a:fontRef idx="minor">
+              <a:schemeClr val="tx1"/>
+            </a:fontRef>
+          </p:style>
+        </p:cxnSp>
+        <p:sp>
+          <p:nvSpPr>
+            <p:cNvPr id="17" name="ZoneTexte 16">
+              <a:extLst>
+                <a:ext uri="{FF2B5EF4-FFF2-40B4-BE49-F238E27FC236}">
+                  <a16:creationId xmlns:a16="http://schemas.microsoft.com/office/drawing/2014/main" id="{F00D8C1B-41B0-4C7D-9ADC-02746477329D}"/>
+                </a:ext>
+              </a:extLst>
+            </p:cNvPr>
+            <p:cNvSpPr txBox="1"/>
+            <p:nvPr/>
+          </p:nvSpPr>
+          <p:spPr>
+            <a:xfrm>
+              <a:off x="650789" y="3418187"/>
+              <a:ext cx="972065" cy="646331"/>
+            </a:xfrm>
+            <a:prstGeom prst="rect">
+              <a:avLst/>
+            </a:prstGeom>
+            <a:noFill/>
+          </p:spPr>
+          <p:txBody>
+            <a:bodyPr wrap="square" rtlCol="0">
+              <a:spAutoFit/>
+            </a:bodyPr>
+            <a:lstStyle/>
+            <a:p>
+              <a:r>
+                <a:rPr lang="fr-FR" sz="1200" dirty="0">
+                  <a:solidFill>
+                    <a:srgbClr val="0070C0"/>
+                  </a:solidFill>
+                </a:rPr>
+                <a:t>Signal perçu par le détecteur</a:t>
+              </a:r>
+            </a:p>
+          </p:txBody>
+        </p:sp>
+        <p:cxnSp>
+          <p:nvCxnSpPr>
+            <p:cNvPr id="18" name="Connecteur droit 17">
+              <a:extLst>
+                <a:ext uri="{FF2B5EF4-FFF2-40B4-BE49-F238E27FC236}">
+                  <a16:creationId xmlns:a16="http://schemas.microsoft.com/office/drawing/2014/main" id="{B4946797-A870-46C0-AD30-3A5DE1AB6F4C}"/>
+                </a:ext>
+              </a:extLst>
+            </p:cNvPr>
+            <p:cNvCxnSpPr>
+              <a:cxnSpLocks/>
+            </p:cNvCxnSpPr>
+            <p:nvPr/>
+          </p:nvCxnSpPr>
+          <p:spPr>
+            <a:xfrm>
+              <a:off x="2332380" y="3680471"/>
+              <a:ext cx="1080000" cy="0"/>
+            </a:xfrm>
+            <a:prstGeom prst="line">
+              <a:avLst/>
+            </a:prstGeom>
+            <a:ln w="12700">
+              <a:solidFill>
+                <a:srgbClr val="FF0000"/>
+              </a:solidFill>
+            </a:ln>
+          </p:spPr>
+          <p:style>
+            <a:lnRef idx="1">
+              <a:schemeClr val="accent1"/>
+            </a:lnRef>
+            <a:fillRef idx="0">
+              <a:schemeClr val="accent1"/>
+            </a:fillRef>
+            <a:effectRef idx="0">
+              <a:schemeClr val="accent1"/>
+            </a:effectRef>
+            <a:fontRef idx="minor">
+              <a:schemeClr val="tx1"/>
+            </a:fontRef>
+          </p:style>
+        </p:cxnSp>
+        <p:cxnSp>
+          <p:nvCxnSpPr>
+            <p:cNvPr id="19" name="Connecteur droit 18">
+              <a:extLst>
+                <a:ext uri="{FF2B5EF4-FFF2-40B4-BE49-F238E27FC236}">
+                  <a16:creationId xmlns:a16="http://schemas.microsoft.com/office/drawing/2014/main" id="{23CF0BC0-7CF5-4593-AB02-50FC220EFF8A}"/>
+                </a:ext>
+              </a:extLst>
+            </p:cNvPr>
+            <p:cNvCxnSpPr>
+              <a:cxnSpLocks/>
+            </p:cNvCxnSpPr>
+            <p:nvPr/>
+          </p:nvCxnSpPr>
+          <p:spPr>
+            <a:xfrm>
+              <a:off x="8481262" y="3682748"/>
+              <a:ext cx="1080000" cy="0"/>
+            </a:xfrm>
+            <a:prstGeom prst="line">
+              <a:avLst/>
+            </a:prstGeom>
+            <a:ln w="12700">
+              <a:solidFill>
+                <a:srgbClr val="FF0000"/>
+              </a:solidFill>
+            </a:ln>
+          </p:spPr>
+          <p:style>
+            <a:lnRef idx="1">
+              <a:schemeClr val="accent1"/>
+            </a:lnRef>
+            <a:fillRef idx="0">
+              <a:schemeClr val="accent1"/>
+            </a:fillRef>
+            <a:effectRef idx="0">
+              <a:schemeClr val="accent1"/>
+            </a:effectRef>
+            <a:fontRef idx="minor">
+              <a:schemeClr val="tx1"/>
+            </a:fontRef>
+          </p:style>
+        </p:cxnSp>
+        <p:cxnSp>
+          <p:nvCxnSpPr>
+            <p:cNvPr id="20" name="Connecteur droit 19">
+              <a:extLst>
+                <a:ext uri="{FF2B5EF4-FFF2-40B4-BE49-F238E27FC236}">
+                  <a16:creationId xmlns:a16="http://schemas.microsoft.com/office/drawing/2014/main" id="{09C62C04-50E9-4AA3-A698-5F3F10215AA3}"/>
+                </a:ext>
+              </a:extLst>
+            </p:cNvPr>
+            <p:cNvCxnSpPr>
+              <a:cxnSpLocks/>
+            </p:cNvCxnSpPr>
+            <p:nvPr/>
+          </p:nvCxnSpPr>
+          <p:spPr>
+            <a:xfrm>
+              <a:off x="8484630" y="3680471"/>
+              <a:ext cx="0" cy="570253"/>
+            </a:xfrm>
+            <a:prstGeom prst="line">
+              <a:avLst/>
+            </a:prstGeom>
+            <a:ln w="12700">
+              <a:solidFill>
+                <a:srgbClr val="FF0000"/>
+              </a:solidFill>
+            </a:ln>
+          </p:spPr>
+          <p:style>
+            <a:lnRef idx="1">
+              <a:schemeClr val="accent1"/>
+            </a:lnRef>
+            <a:fillRef idx="0">
+              <a:schemeClr val="accent1"/>
+            </a:fillRef>
+            <a:effectRef idx="0">
+              <a:schemeClr val="accent1"/>
+            </a:effectRef>
+            <a:fontRef idx="minor">
+              <a:schemeClr val="tx1"/>
+            </a:fontRef>
+          </p:style>
+        </p:cxnSp>
+        <p:cxnSp>
+          <p:nvCxnSpPr>
+            <p:cNvPr id="21" name="Connecteur droit 20">
+              <a:extLst>
+                <a:ext uri="{FF2B5EF4-FFF2-40B4-BE49-F238E27FC236}">
+                  <a16:creationId xmlns:a16="http://schemas.microsoft.com/office/drawing/2014/main" id="{C845BF12-AE23-4C98-B0AD-6274EE41C0C7}"/>
+                </a:ext>
+              </a:extLst>
+            </p:cNvPr>
+            <p:cNvCxnSpPr>
+              <a:cxnSpLocks/>
+            </p:cNvCxnSpPr>
+            <p:nvPr/>
+          </p:nvCxnSpPr>
+          <p:spPr>
+            <a:xfrm>
+              <a:off x="9565038" y="3688709"/>
+              <a:ext cx="0" cy="570253"/>
+            </a:xfrm>
+            <a:prstGeom prst="line">
+              <a:avLst/>
+            </a:prstGeom>
+            <a:ln w="12700">
+              <a:solidFill>
+                <a:srgbClr val="FF0000"/>
+              </a:solidFill>
+            </a:ln>
+          </p:spPr>
+          <p:style>
+            <a:lnRef idx="1">
+              <a:schemeClr val="accent1"/>
+            </a:lnRef>
+            <a:fillRef idx="0">
+              <a:schemeClr val="accent1"/>
+            </a:fillRef>
+            <a:effectRef idx="0">
+              <a:schemeClr val="accent1"/>
+            </a:effectRef>
+            <a:fontRef idx="minor">
+              <a:schemeClr val="tx1"/>
+            </a:fontRef>
+          </p:style>
+        </p:cxnSp>
+        <p:cxnSp>
+          <p:nvCxnSpPr>
+            <p:cNvPr id="22" name="Connecteur droit 21">
+              <a:extLst>
+                <a:ext uri="{FF2B5EF4-FFF2-40B4-BE49-F238E27FC236}">
+                  <a16:creationId xmlns:a16="http://schemas.microsoft.com/office/drawing/2014/main" id="{F88A117C-4DDA-4E4B-BF85-BD32EC3FA0C9}"/>
+                </a:ext>
+              </a:extLst>
+            </p:cNvPr>
+            <p:cNvCxnSpPr>
+              <a:cxnSpLocks/>
+            </p:cNvCxnSpPr>
+            <p:nvPr/>
+          </p:nvCxnSpPr>
+          <p:spPr>
+            <a:xfrm>
+              <a:off x="2332380" y="3688708"/>
+              <a:ext cx="0" cy="570253"/>
+            </a:xfrm>
+            <a:prstGeom prst="line">
+              <a:avLst/>
+            </a:prstGeom>
+            <a:ln w="12700">
+              <a:solidFill>
+                <a:srgbClr val="FF0000"/>
+              </a:solidFill>
+            </a:ln>
+          </p:spPr>
+          <p:style>
+            <a:lnRef idx="1">
+              <a:schemeClr val="accent1"/>
+            </a:lnRef>
+            <a:fillRef idx="0">
+              <a:schemeClr val="accent1"/>
+            </a:fillRef>
+            <a:effectRef idx="0">
+              <a:schemeClr val="accent1"/>
+            </a:effectRef>
+            <a:fontRef idx="minor">
+              <a:schemeClr val="tx1"/>
+            </a:fontRef>
+          </p:style>
+        </p:cxnSp>
+        <p:cxnSp>
+          <p:nvCxnSpPr>
+            <p:cNvPr id="23" name="Connecteur droit 22">
+              <a:extLst>
+                <a:ext uri="{FF2B5EF4-FFF2-40B4-BE49-F238E27FC236}">
+                  <a16:creationId xmlns:a16="http://schemas.microsoft.com/office/drawing/2014/main" id="{1B720B30-7CCA-4724-B7CE-D3523F0619CD}"/>
+                </a:ext>
+              </a:extLst>
+            </p:cNvPr>
+            <p:cNvCxnSpPr>
+              <a:cxnSpLocks/>
+            </p:cNvCxnSpPr>
+            <p:nvPr/>
+          </p:nvCxnSpPr>
+          <p:spPr>
+            <a:xfrm>
+              <a:off x="3412380" y="3680470"/>
+              <a:ext cx="0" cy="570253"/>
+            </a:xfrm>
+            <a:prstGeom prst="line">
+              <a:avLst/>
+            </a:prstGeom>
+            <a:ln w="12700">
+              <a:solidFill>
+                <a:srgbClr val="FF0000"/>
+              </a:solidFill>
+            </a:ln>
+          </p:spPr>
+          <p:style>
+            <a:lnRef idx="1">
+              <a:schemeClr val="accent1"/>
+            </a:lnRef>
+            <a:fillRef idx="0">
+              <a:schemeClr val="accent1"/>
+            </a:fillRef>
+            <a:effectRef idx="0">
+              <a:schemeClr val="accent1"/>
+            </a:effectRef>
+            <a:fontRef idx="minor">
+              <a:schemeClr val="tx1"/>
+            </a:fontRef>
+          </p:style>
+        </p:cxnSp>
+        <p:cxnSp>
+          <p:nvCxnSpPr>
+            <p:cNvPr id="24" name="Connecteur droit 23">
+              <a:extLst>
+                <a:ext uri="{FF2B5EF4-FFF2-40B4-BE49-F238E27FC236}">
+                  <a16:creationId xmlns:a16="http://schemas.microsoft.com/office/drawing/2014/main" id="{EDE76668-7164-4742-A70A-2C748FB2D255}"/>
+                </a:ext>
+              </a:extLst>
+            </p:cNvPr>
+            <p:cNvCxnSpPr>
+              <a:cxnSpLocks/>
+            </p:cNvCxnSpPr>
+            <p:nvPr/>
+          </p:nvCxnSpPr>
+          <p:spPr>
+            <a:xfrm>
+              <a:off x="1622854" y="4250723"/>
+              <a:ext cx="709526" cy="0"/>
+            </a:xfrm>
+            <a:prstGeom prst="line">
+              <a:avLst/>
+            </a:prstGeom>
+            <a:ln w="12700">
+              <a:solidFill>
+                <a:srgbClr val="FF0000"/>
+              </a:solidFill>
+            </a:ln>
+          </p:spPr>
+          <p:style>
+            <a:lnRef idx="1">
+              <a:schemeClr val="accent1"/>
+            </a:lnRef>
+            <a:fillRef idx="0">
+              <a:schemeClr val="accent1"/>
+            </a:fillRef>
+            <a:effectRef idx="0">
+              <a:schemeClr val="accent1"/>
+            </a:effectRef>
+            <a:fontRef idx="minor">
+              <a:schemeClr val="tx1"/>
+            </a:fontRef>
+          </p:style>
+        </p:cxnSp>
+        <p:cxnSp>
+          <p:nvCxnSpPr>
+            <p:cNvPr id="25" name="Connecteur droit 24">
+              <a:extLst>
+                <a:ext uri="{FF2B5EF4-FFF2-40B4-BE49-F238E27FC236}">
+                  <a16:creationId xmlns:a16="http://schemas.microsoft.com/office/drawing/2014/main" id="{EC095DA2-7E85-4E43-B199-5EF44C9F83AD}"/>
+                </a:ext>
+              </a:extLst>
+            </p:cNvPr>
+            <p:cNvCxnSpPr>
+              <a:cxnSpLocks/>
+            </p:cNvCxnSpPr>
+            <p:nvPr/>
+          </p:nvCxnSpPr>
+          <p:spPr>
+            <a:xfrm>
+              <a:off x="3412380" y="4250723"/>
+              <a:ext cx="5068882" cy="0"/>
+            </a:xfrm>
+            <a:prstGeom prst="line">
+              <a:avLst/>
+            </a:prstGeom>
+            <a:ln w="12700">
+              <a:solidFill>
+                <a:srgbClr val="FF0000"/>
+              </a:solidFill>
+            </a:ln>
+          </p:spPr>
+          <p:style>
+            <a:lnRef idx="1">
+              <a:schemeClr val="accent1"/>
+            </a:lnRef>
+            <a:fillRef idx="0">
+              <a:schemeClr val="accent1"/>
+            </a:fillRef>
+            <a:effectRef idx="0">
+              <a:schemeClr val="accent1"/>
+            </a:effectRef>
+            <a:fontRef idx="minor">
+              <a:schemeClr val="tx1"/>
+            </a:fontRef>
+          </p:style>
+        </p:cxnSp>
+        <p:cxnSp>
+          <p:nvCxnSpPr>
+            <p:cNvPr id="26" name="Connecteur droit 25">
+              <a:extLst>
+                <a:ext uri="{FF2B5EF4-FFF2-40B4-BE49-F238E27FC236}">
+                  <a16:creationId xmlns:a16="http://schemas.microsoft.com/office/drawing/2014/main" id="{91CF3F49-E4EB-4CCF-A7A5-3AE24F158CE7}"/>
+                </a:ext>
+              </a:extLst>
+            </p:cNvPr>
+            <p:cNvCxnSpPr>
+              <a:cxnSpLocks/>
+            </p:cNvCxnSpPr>
+            <p:nvPr/>
+          </p:nvCxnSpPr>
+          <p:spPr>
+            <a:xfrm>
+              <a:off x="9561262" y="4250723"/>
+              <a:ext cx="925506" cy="0"/>
+            </a:xfrm>
+            <a:prstGeom prst="line">
+              <a:avLst/>
+            </a:prstGeom>
+            <a:ln w="12700">
+              <a:solidFill>
+                <a:srgbClr val="FF0000"/>
+              </a:solidFill>
+            </a:ln>
+          </p:spPr>
+          <p:style>
+            <a:lnRef idx="1">
+              <a:schemeClr val="accent1"/>
+            </a:lnRef>
+            <a:fillRef idx="0">
+              <a:schemeClr val="accent1"/>
+            </a:fillRef>
+            <a:effectRef idx="0">
+              <a:schemeClr val="accent1"/>
+            </a:effectRef>
+            <a:fontRef idx="minor">
+              <a:schemeClr val="tx1"/>
+            </a:fontRef>
+          </p:style>
+        </p:cxnSp>
+        <p:sp>
+          <p:nvSpPr>
+            <p:cNvPr id="27" name="ZoneTexte 26">
+              <a:extLst>
+                <a:ext uri="{FF2B5EF4-FFF2-40B4-BE49-F238E27FC236}">
+                  <a16:creationId xmlns:a16="http://schemas.microsoft.com/office/drawing/2014/main" id="{26142738-BEAD-468B-916B-5723417FF069}"/>
+                </a:ext>
+              </a:extLst>
+            </p:cNvPr>
+            <p:cNvSpPr txBox="1"/>
+            <p:nvPr/>
+          </p:nvSpPr>
+          <p:spPr>
+            <a:xfrm>
+              <a:off x="3409448" y="3604392"/>
+              <a:ext cx="1742299" cy="646331"/>
+            </a:xfrm>
+            <a:prstGeom prst="rect">
+              <a:avLst/>
+            </a:prstGeom>
+            <a:noFill/>
+          </p:spPr>
+          <p:txBody>
+            <a:bodyPr wrap="square" rtlCol="0">
+              <a:spAutoFit/>
+            </a:bodyPr>
+            <a:lstStyle/>
+            <a:p>
+              <a:r>
+                <a:rPr lang="fr-FR" dirty="0">
+                  <a:solidFill>
+                    <a:srgbClr val="FF0000"/>
+                  </a:solidFill>
+                </a:rPr>
+                <a:t>1</a:t>
+              </a:r>
+            </a:p>
+            <a:p>
+              <a:r>
+                <a:rPr lang="fr-FR" dirty="0">
+                  <a:solidFill>
+                    <a:srgbClr val="FF0000"/>
+                  </a:solidFill>
+                </a:rPr>
+                <a:t>	0</a:t>
+              </a:r>
+            </a:p>
+          </p:txBody>
+        </p:sp>
+      </p:grpSp>
+    </p:spTree>
+    <p:extLst>
+      <p:ext uri="{BB962C8B-B14F-4D97-AF65-F5344CB8AC3E}">
+        <p14:creationId xmlns:p14="http://schemas.microsoft.com/office/powerpoint/2010/main" val="2775842683"/>
       </p:ext>
     </p:extLst>
   </p:cSld>
